--- a/Документы/Презентация для конференции.pptx
+++ b/Документы/Презентация для конференции.pptx
@@ -5,7 +5,7 @@
     <p:sldMasterId id="2147483719" r:id="rId1"/>
   </p:sldMasterIdLst>
   <p:notesMasterIdLst>
-    <p:notesMasterId r:id="rId22"/>
+    <p:notesMasterId r:id="rId20"/>
   </p:notesMasterIdLst>
   <p:sldIdLst>
     <p:sldId id="256" r:id="rId2"/>
@@ -20,14 +20,12 @@
     <p:sldId id="263" r:id="rId11"/>
     <p:sldId id="281" r:id="rId12"/>
     <p:sldId id="282" r:id="rId13"/>
-    <p:sldId id="284" r:id="rId14"/>
-    <p:sldId id="285" r:id="rId15"/>
-    <p:sldId id="268" r:id="rId16"/>
-    <p:sldId id="273" r:id="rId17"/>
-    <p:sldId id="262" r:id="rId18"/>
-    <p:sldId id="264" r:id="rId19"/>
-    <p:sldId id="266" r:id="rId20"/>
-    <p:sldId id="286" r:id="rId21"/>
+    <p:sldId id="268" r:id="rId14"/>
+    <p:sldId id="273" r:id="rId15"/>
+    <p:sldId id="262" r:id="rId16"/>
+    <p:sldId id="264" r:id="rId17"/>
+    <p:sldId id="266" r:id="rId18"/>
+    <p:sldId id="286" r:id="rId19"/>
   </p:sldIdLst>
   <p:sldSz cx="12192000" cy="6858000"/>
   <p:notesSz cx="6858000" cy="9144000"/>
@@ -8670,275 +8668,6 @@
       </p:grpSpPr>
       <p:sp>
         <p:nvSpPr>
-          <p:cNvPr id="4" name="Номер слайда 3">
-            <a:extLst>
-              <a:ext uri="{FF2B5EF4-FFF2-40B4-BE49-F238E27FC236}">
-                <a16:creationId xmlns:a16="http://schemas.microsoft.com/office/drawing/2014/main" id="{AA989461-C1D5-4034-9F12-329E80A06CE5}"/>
-              </a:ext>
-            </a:extLst>
-          </p:cNvPr>
-          <p:cNvSpPr>
-            <a:spLocks noGrp="1"/>
-          </p:cNvSpPr>
-          <p:nvPr>
-            <p:ph type="sldNum" sz="quarter" idx="12"/>
-          </p:nvPr>
-        </p:nvSpPr>
-        <p:spPr/>
-        <p:txBody>
-          <a:bodyPr/>
-          <a:lstStyle/>
-          <a:p>
-            <a:fld id="{F846435F-278B-4F8D-8B6E-49BFC1C98D0D}" type="slidenum">
-              <a:rPr lang="ru-RU" smtClean="0"/>
-              <a:t>13</a:t>
-            </a:fld>
-            <a:endParaRPr lang="ru-RU"/>
-          </a:p>
-        </p:txBody>
-      </p:sp>
-      <p:pic>
-        <p:nvPicPr>
-          <p:cNvPr id="5" name="Рисунок 4">
-            <a:extLst>
-              <a:ext uri="{FF2B5EF4-FFF2-40B4-BE49-F238E27FC236}">
-                <a16:creationId xmlns:a16="http://schemas.microsoft.com/office/drawing/2014/main" id="{77B85778-48E7-4CA8-9C54-EA970B748968}"/>
-              </a:ext>
-            </a:extLst>
-          </p:cNvPr>
-          <p:cNvPicPr/>
-          <p:nvPr/>
-        </p:nvPicPr>
-        <p:blipFill rotWithShape="1">
-          <a:blip r:embed="rId2">
-            <a:extLst>
-              <a:ext uri="{28A0092B-C50C-407E-A947-70E740481C1C}">
-                <a14:useLocalDpi xmlns:a14="http://schemas.microsoft.com/office/drawing/2010/main" val="0"/>
-              </a:ext>
-            </a:extLst>
-          </a:blip>
-          <a:srcRect l="4710" t="6723" r="4376" b="5573"/>
-          <a:stretch/>
-        </p:blipFill>
-        <p:spPr bwMode="auto">
-          <a:xfrm>
-            <a:off x="3012489" y="849926"/>
-            <a:ext cx="6167022" cy="5282436"/>
-          </a:xfrm>
-          <a:prstGeom prst="rect">
-            <a:avLst/>
-          </a:prstGeom>
-          <a:noFill/>
-          <a:ln>
-            <a:noFill/>
-          </a:ln>
-          <a:extLst>
-            <a:ext uri="{53640926-AAD7-44D8-BBD7-CCE9431645EC}">
-              <a14:shadowObscured xmlns:a14="http://schemas.microsoft.com/office/drawing/2010/main"/>
-            </a:ext>
-          </a:extLst>
-        </p:spPr>
-      </p:pic>
-      <p:sp>
-        <p:nvSpPr>
-          <p:cNvPr id="6" name="Заголовок 1">
-            <a:extLst>
-              <a:ext uri="{FF2B5EF4-FFF2-40B4-BE49-F238E27FC236}">
-                <a16:creationId xmlns:a16="http://schemas.microsoft.com/office/drawing/2014/main" id="{03087097-EF5B-4525-8FFB-79BE2D22B04C}"/>
-              </a:ext>
-            </a:extLst>
-          </p:cNvPr>
-          <p:cNvSpPr>
-            <a:spLocks noGrp="1"/>
-          </p:cNvSpPr>
-          <p:nvPr>
-            <p:ph type="title"/>
-          </p:nvPr>
-        </p:nvSpPr>
-        <p:spPr>
-          <a:xfrm>
-            <a:off x="0" y="87688"/>
-            <a:ext cx="12172336" cy="762238"/>
-          </a:xfrm>
-        </p:spPr>
-        <p:txBody>
-          <a:bodyPr>
-            <a:normAutofit/>
-          </a:bodyPr>
-          <a:lstStyle/>
-          <a:p>
-            <a:pPr algn="ctr"/>
-            <a:r>
-              <a:rPr lang="ru-RU" sz="4000" dirty="0">
-                <a:latin typeface="Calibri" panose="020F0502020204030204" pitchFamily="34" charset="0"/>
-                <a:cs typeface="Calibri" panose="020F0502020204030204" pitchFamily="34" charset="0"/>
-              </a:rPr>
-              <a:t>Логическая модель данных</a:t>
-            </a:r>
-          </a:p>
-        </p:txBody>
-      </p:sp>
-    </p:spTree>
-    <p:extLst>
-      <p:ext uri="{BB962C8B-B14F-4D97-AF65-F5344CB8AC3E}">
-        <p14:creationId xmlns:p14="http://schemas.microsoft.com/office/powerpoint/2010/main" val="4024898852"/>
-      </p:ext>
-    </p:extLst>
-  </p:cSld>
-  <p:clrMapOvr>
-    <a:masterClrMapping/>
-  </p:clrMapOvr>
-</p:sld>
-</file>
-
-<file path=ppt/slides/slide14.xml><?xml version="1.0" encoding="utf-8"?>
-<p:sld xmlns:a="http://schemas.openxmlformats.org/drawingml/2006/main" xmlns:r="http://schemas.openxmlformats.org/officeDocument/2006/relationships" xmlns:p="http://schemas.openxmlformats.org/presentationml/2006/main">
-  <p:cSld>
-    <p:spTree>
-      <p:nvGrpSpPr>
-        <p:cNvPr id="1" name=""/>
-        <p:cNvGrpSpPr/>
-        <p:nvPr/>
-      </p:nvGrpSpPr>
-      <p:grpSpPr>
-        <a:xfrm>
-          <a:off x="0" y="0"/>
-          <a:ext cx="0" cy="0"/>
-          <a:chOff x="0" y="0"/>
-          <a:chExt cx="0" cy="0"/>
-        </a:xfrm>
-      </p:grpSpPr>
-      <p:sp>
-        <p:nvSpPr>
-          <p:cNvPr id="4" name="Номер слайда 3">
-            <a:extLst>
-              <a:ext uri="{FF2B5EF4-FFF2-40B4-BE49-F238E27FC236}">
-                <a16:creationId xmlns:a16="http://schemas.microsoft.com/office/drawing/2014/main" id="{0F2A0C39-6B08-44AA-AFFB-48E1DD387094}"/>
-              </a:ext>
-            </a:extLst>
-          </p:cNvPr>
-          <p:cNvSpPr>
-            <a:spLocks noGrp="1"/>
-          </p:cNvSpPr>
-          <p:nvPr>
-            <p:ph type="sldNum" sz="quarter" idx="12"/>
-          </p:nvPr>
-        </p:nvSpPr>
-        <p:spPr/>
-        <p:txBody>
-          <a:bodyPr/>
-          <a:lstStyle/>
-          <a:p>
-            <a:fld id="{F846435F-278B-4F8D-8B6E-49BFC1C98D0D}" type="slidenum">
-              <a:rPr lang="ru-RU" smtClean="0"/>
-              <a:t>14</a:t>
-            </a:fld>
-            <a:endParaRPr lang="ru-RU"/>
-          </a:p>
-        </p:txBody>
-      </p:sp>
-      <p:pic>
-        <p:nvPicPr>
-          <p:cNvPr id="5" name="Рисунок 4">
-            <a:extLst>
-              <a:ext uri="{FF2B5EF4-FFF2-40B4-BE49-F238E27FC236}">
-                <a16:creationId xmlns:a16="http://schemas.microsoft.com/office/drawing/2014/main" id="{01B7017D-709B-46F1-B9BF-1F4C8C6E7966}"/>
-              </a:ext>
-            </a:extLst>
-          </p:cNvPr>
-          <p:cNvPicPr/>
-          <p:nvPr/>
-        </p:nvPicPr>
-        <p:blipFill>
-          <a:blip r:embed="rId2"/>
-          <a:stretch>
-            <a:fillRect/>
-          </a:stretch>
-        </p:blipFill>
-        <p:spPr>
-          <a:xfrm>
-            <a:off x="2644221" y="849926"/>
-            <a:ext cx="6883894" cy="5390966"/>
-          </a:xfrm>
-          <a:prstGeom prst="rect">
-            <a:avLst/>
-          </a:prstGeom>
-          <a:ln>
-            <a:noFill/>
-          </a:ln>
-        </p:spPr>
-      </p:pic>
-      <p:sp>
-        <p:nvSpPr>
-          <p:cNvPr id="6" name="Заголовок 1">
-            <a:extLst>
-              <a:ext uri="{FF2B5EF4-FFF2-40B4-BE49-F238E27FC236}">
-                <a16:creationId xmlns:a16="http://schemas.microsoft.com/office/drawing/2014/main" id="{84187C3E-6119-4DEA-8C27-073D6EB25864}"/>
-              </a:ext>
-            </a:extLst>
-          </p:cNvPr>
-          <p:cNvSpPr>
-            <a:spLocks noGrp="1"/>
-          </p:cNvSpPr>
-          <p:nvPr>
-            <p:ph type="title"/>
-          </p:nvPr>
-        </p:nvSpPr>
-        <p:spPr>
-          <a:xfrm>
-            <a:off x="0" y="87688"/>
-            <a:ext cx="12172336" cy="762238"/>
-          </a:xfrm>
-        </p:spPr>
-        <p:txBody>
-          <a:bodyPr>
-            <a:normAutofit/>
-          </a:bodyPr>
-          <a:lstStyle/>
-          <a:p>
-            <a:pPr algn="ctr"/>
-            <a:r>
-              <a:rPr lang="ru-RU" sz="4000" dirty="0">
-                <a:latin typeface="Calibri" panose="020F0502020204030204" pitchFamily="34" charset="0"/>
-                <a:cs typeface="Calibri" panose="020F0502020204030204" pitchFamily="34" charset="0"/>
-              </a:rPr>
-              <a:t>Физическая модель данных</a:t>
-            </a:r>
-          </a:p>
-        </p:txBody>
-      </p:sp>
-    </p:spTree>
-    <p:extLst>
-      <p:ext uri="{BB962C8B-B14F-4D97-AF65-F5344CB8AC3E}">
-        <p14:creationId xmlns:p14="http://schemas.microsoft.com/office/powerpoint/2010/main" val="4246838883"/>
-      </p:ext>
-    </p:extLst>
-  </p:cSld>
-  <p:clrMapOvr>
-    <a:masterClrMapping/>
-  </p:clrMapOvr>
-</p:sld>
-</file>
-
-<file path=ppt/slides/slide15.xml><?xml version="1.0" encoding="utf-8"?>
-<p:sld xmlns:a="http://schemas.openxmlformats.org/drawingml/2006/main" xmlns:r="http://schemas.openxmlformats.org/officeDocument/2006/relationships" xmlns:p="http://schemas.openxmlformats.org/presentationml/2006/main">
-  <p:cSld>
-    <p:spTree>
-      <p:nvGrpSpPr>
-        <p:cNvPr id="1" name=""/>
-        <p:cNvGrpSpPr/>
-        <p:nvPr/>
-      </p:nvGrpSpPr>
-      <p:grpSpPr>
-        <a:xfrm>
-          <a:off x="0" y="0"/>
-          <a:ext cx="0" cy="0"/>
-          <a:chOff x="0" y="0"/>
-          <a:chExt cx="0" cy="0"/>
-        </a:xfrm>
-      </p:grpSpPr>
-      <p:sp>
-        <p:nvSpPr>
           <p:cNvPr id="2" name="Заголовок 1">
             <a:extLst>
               <a:ext uri="{FF2B5EF4-FFF2-40B4-BE49-F238E27FC236}">
@@ -9335,7 +9064,7 @@
           <a:p>
             <a:fld id="{F846435F-278B-4F8D-8B6E-49BFC1C98D0D}" type="slidenum">
               <a:rPr lang="ru-RU" smtClean="0"/>
-              <a:t>15</a:t>
+              <a:t>13</a:t>
             </a:fld>
             <a:endParaRPr lang="ru-RU"/>
           </a:p>
@@ -9354,7 +9083,7 @@
 </p:sld>
 </file>
 
-<file path=ppt/slides/slide16.xml><?xml version="1.0" encoding="utf-8"?>
+<file path=ppt/slides/slide14.xml><?xml version="1.0" encoding="utf-8"?>
 <p:sld xmlns:a="http://schemas.openxmlformats.org/drawingml/2006/main" xmlns:r="http://schemas.openxmlformats.org/officeDocument/2006/relationships" xmlns:p="http://schemas.openxmlformats.org/presentationml/2006/main">
   <p:cSld>
     <p:spTree>
@@ -9433,7 +9162,7 @@
           <a:p>
             <a:fld id="{F846435F-278B-4F8D-8B6E-49BFC1C98D0D}" type="slidenum">
               <a:rPr lang="ru-RU" smtClean="0"/>
-              <a:t>16</a:t>
+              <a:t>14</a:t>
             </a:fld>
             <a:endParaRPr lang="ru-RU"/>
           </a:p>
@@ -9480,7 +9209,7 @@
 </p:sld>
 </file>
 
-<file path=ppt/slides/slide17.xml><?xml version="1.0" encoding="utf-8"?>
+<file path=ppt/slides/slide15.xml><?xml version="1.0" encoding="utf-8"?>
 <p:sld xmlns:a="http://schemas.openxmlformats.org/drawingml/2006/main" xmlns:r="http://schemas.openxmlformats.org/officeDocument/2006/relationships" xmlns:p="http://schemas.openxmlformats.org/presentationml/2006/main">
   <p:cSld>
     <p:spTree>
@@ -9559,7 +9288,7 @@
           <a:p>
             <a:fld id="{F846435F-278B-4F8D-8B6E-49BFC1C98D0D}" type="slidenum">
               <a:rPr lang="ru-RU" smtClean="0"/>
-              <a:t>17</a:t>
+              <a:t>15</a:t>
             </a:fld>
             <a:endParaRPr lang="ru-RU"/>
           </a:p>
@@ -9607,7 +9336,7 @@
 </p:sld>
 </file>
 
-<file path=ppt/slides/slide18.xml><?xml version="1.0" encoding="utf-8"?>
+<file path=ppt/slides/slide16.xml><?xml version="1.0" encoding="utf-8"?>
 <p:sld xmlns:a="http://schemas.openxmlformats.org/drawingml/2006/main" xmlns:r="http://schemas.openxmlformats.org/officeDocument/2006/relationships" xmlns:p="http://schemas.openxmlformats.org/presentationml/2006/main">
   <p:cSld>
     <p:spTree>
@@ -9686,7 +9415,7 @@
           <a:p>
             <a:fld id="{F846435F-278B-4F8D-8B6E-49BFC1C98D0D}" type="slidenum">
               <a:rPr lang="ru-RU" smtClean="0"/>
-              <a:t>18</a:t>
+              <a:t>16</a:t>
             </a:fld>
             <a:endParaRPr lang="ru-RU"/>
           </a:p>
@@ -9735,7 +9464,7 @@
 </p:sld>
 </file>
 
-<file path=ppt/slides/slide19.xml><?xml version="1.0" encoding="utf-8"?>
+<file path=ppt/slides/slide17.xml><?xml version="1.0" encoding="utf-8"?>
 <p:sld xmlns:a="http://schemas.openxmlformats.org/drawingml/2006/main" xmlns:r="http://schemas.openxmlformats.org/officeDocument/2006/relationships" xmlns:p="http://schemas.openxmlformats.org/presentationml/2006/main">
   <p:cSld>
     <p:spTree>
@@ -10014,7 +9743,7 @@
           <a:p>
             <a:fld id="{F846435F-278B-4F8D-8B6E-49BFC1C98D0D}" type="slidenum">
               <a:rPr lang="ru-RU" smtClean="0"/>
-              <a:t>19</a:t>
+              <a:t>17</a:t>
             </a:fld>
             <a:endParaRPr lang="ru-RU"/>
           </a:p>
@@ -10033,7 +9762,7 @@
 </p:sld>
 </file>
 
-<file path=ppt/slides/slide2.xml><?xml version="1.0" encoding="utf-8"?>
+<file path=ppt/slides/slide18.xml><?xml version="1.0" encoding="utf-8"?>
 <p:sld xmlns:a="http://schemas.openxmlformats.org/drawingml/2006/main" xmlns:r="http://schemas.openxmlformats.org/officeDocument/2006/relationships" xmlns:p="http://schemas.openxmlformats.org/presentationml/2006/main">
   <p:cSld>
     <p:spTree>
@@ -10052,153 +9781,6 @@
       </p:grpSpPr>
       <p:sp>
         <p:nvSpPr>
-          <p:cNvPr id="2" name="Заголовок 1">
-            <a:extLst>
-              <a:ext uri="{FF2B5EF4-FFF2-40B4-BE49-F238E27FC236}">
-                <a16:creationId xmlns:a16="http://schemas.microsoft.com/office/drawing/2014/main" id="{07D25D7A-969A-4341-B403-9D454615F387}"/>
-              </a:ext>
-            </a:extLst>
-          </p:cNvPr>
-          <p:cNvSpPr>
-            <a:spLocks noGrp="1"/>
-          </p:cNvSpPr>
-          <p:nvPr>
-            <p:ph type="title"/>
-          </p:nvPr>
-        </p:nvSpPr>
-        <p:spPr>
-          <a:xfrm>
-            <a:off x="805809" y="302527"/>
-            <a:ext cx="10580380" cy="644251"/>
-          </a:xfrm>
-        </p:spPr>
-        <p:txBody>
-          <a:bodyPr/>
-          <a:lstStyle/>
-          <a:p>
-            <a:pPr algn="ctr"/>
-            <a:r>
-              <a:rPr lang="en-US" dirty="0">
-                <a:latin typeface="Calibri" panose="020F0502020204030204" pitchFamily="34" charset="0"/>
-                <a:cs typeface="Calibri" panose="020F0502020204030204" pitchFamily="34" charset="0"/>
-              </a:rPr>
-              <a:t>Well-being</a:t>
-            </a:r>
-            <a:endParaRPr lang="ru-RU" dirty="0">
-              <a:latin typeface="Calibri" panose="020F0502020204030204" pitchFamily="34" charset="0"/>
-              <a:cs typeface="Calibri" panose="020F0502020204030204" pitchFamily="34" charset="0"/>
-            </a:endParaRPr>
-          </a:p>
-        </p:txBody>
-      </p:sp>
-      <p:pic>
-        <p:nvPicPr>
-          <p:cNvPr id="1026" name="Picture 2">
-            <a:extLst>
-              <a:ext uri="{FF2B5EF4-FFF2-40B4-BE49-F238E27FC236}">
-                <a16:creationId xmlns:a16="http://schemas.microsoft.com/office/drawing/2014/main" id="{97F11522-582B-43D8-B543-9C3C6B403974}"/>
-              </a:ext>
-            </a:extLst>
-          </p:cNvPr>
-          <p:cNvPicPr>
-            <a:picLocks noChangeAspect="1" noChangeArrowheads="1"/>
-          </p:cNvPicPr>
-          <p:nvPr/>
-        </p:nvPicPr>
-        <p:blipFill>
-          <a:blip r:embed="rId2">
-            <a:extLst>
-              <a:ext uri="{28A0092B-C50C-407E-A947-70E740481C1C}">
-                <a14:useLocalDpi xmlns:a14="http://schemas.microsoft.com/office/drawing/2010/main" val="0"/>
-              </a:ext>
-            </a:extLst>
-          </a:blip>
-          <a:srcRect/>
-          <a:stretch>
-            <a:fillRect/>
-          </a:stretch>
-        </p:blipFill>
-        <p:spPr bwMode="auto">
-          <a:xfrm>
-            <a:off x="3354240" y="946778"/>
-            <a:ext cx="5483519" cy="5483519"/>
-          </a:xfrm>
-          <a:prstGeom prst="rect">
-            <a:avLst/>
-          </a:prstGeom>
-          <a:noFill/>
-          <a:extLst>
-            <a:ext uri="{909E8E84-426E-40DD-AFC4-6F175D3DCCD1}">
-              <a14:hiddenFill xmlns:a14="http://schemas.microsoft.com/office/drawing/2010/main">
-                <a:solidFill>
-                  <a:srgbClr val="FFFFFF"/>
-                </a:solidFill>
-              </a14:hiddenFill>
-            </a:ext>
-          </a:extLst>
-        </p:spPr>
-      </p:pic>
-      <p:sp>
-        <p:nvSpPr>
-          <p:cNvPr id="6" name="Номер слайда 5">
-            <a:extLst>
-              <a:ext uri="{FF2B5EF4-FFF2-40B4-BE49-F238E27FC236}">
-                <a16:creationId xmlns:a16="http://schemas.microsoft.com/office/drawing/2014/main" id="{D63C5440-D86F-40A3-A365-AD4A94046DDD}"/>
-              </a:ext>
-            </a:extLst>
-          </p:cNvPr>
-          <p:cNvSpPr>
-            <a:spLocks noGrp="1"/>
-          </p:cNvSpPr>
-          <p:nvPr>
-            <p:ph type="sldNum" sz="quarter" idx="12"/>
-          </p:nvPr>
-        </p:nvSpPr>
-        <p:spPr/>
-        <p:txBody>
-          <a:bodyPr/>
-          <a:lstStyle/>
-          <a:p>
-            <a:fld id="{F846435F-278B-4F8D-8B6E-49BFC1C98D0D}" type="slidenum">
-              <a:rPr lang="ru-RU" smtClean="0"/>
-              <a:t>2</a:t>
-            </a:fld>
-            <a:endParaRPr lang="ru-RU"/>
-          </a:p>
-        </p:txBody>
-      </p:sp>
-    </p:spTree>
-    <p:extLst>
-      <p:ext uri="{BB962C8B-B14F-4D97-AF65-F5344CB8AC3E}">
-        <p14:creationId xmlns:p14="http://schemas.microsoft.com/office/powerpoint/2010/main" val="3216759468"/>
-      </p:ext>
-    </p:extLst>
-  </p:cSld>
-  <p:clrMapOvr>
-    <a:masterClrMapping/>
-  </p:clrMapOvr>
-</p:sld>
-</file>
-
-<file path=ppt/slides/slide20.xml><?xml version="1.0" encoding="utf-8"?>
-<p:sld xmlns:a="http://schemas.openxmlformats.org/drawingml/2006/main" xmlns:r="http://schemas.openxmlformats.org/officeDocument/2006/relationships" xmlns:p="http://schemas.openxmlformats.org/presentationml/2006/main">
-  <p:cSld>
-    <p:spTree>
-      <p:nvGrpSpPr>
-        <p:cNvPr id="1" name=""/>
-        <p:cNvGrpSpPr/>
-        <p:nvPr/>
-      </p:nvGrpSpPr>
-      <p:grpSpPr>
-        <a:xfrm>
-          <a:off x="0" y="0"/>
-          <a:ext cx="0" cy="0"/>
-          <a:chOff x="0" y="0"/>
-          <a:chExt cx="0" cy="0"/>
-        </a:xfrm>
-      </p:grpSpPr>
-      <p:sp>
-        <p:nvSpPr>
           <p:cNvPr id="4" name="Номер слайда 3">
             <a:extLst>
               <a:ext uri="{FF2B5EF4-FFF2-40B4-BE49-F238E27FC236}">
@@ -10220,7 +9802,7 @@
           <a:p>
             <a:fld id="{F846435F-278B-4F8D-8B6E-49BFC1C98D0D}" type="slidenum">
               <a:rPr lang="ru-RU" smtClean="0"/>
-              <a:t>20</a:t>
+              <a:t>18</a:t>
             </a:fld>
             <a:endParaRPr lang="ru-RU"/>
           </a:p>
@@ -10412,6 +9994,149 @@
 </p:sld>
 </file>
 
+<file path=ppt/slides/slide2.xml><?xml version="1.0" encoding="utf-8"?>
+<p:sld xmlns:a="http://schemas.openxmlformats.org/drawingml/2006/main" xmlns:r="http://schemas.openxmlformats.org/officeDocument/2006/relationships" xmlns:p="http://schemas.openxmlformats.org/presentationml/2006/main">
+  <p:cSld>
+    <p:spTree>
+      <p:nvGrpSpPr>
+        <p:cNvPr id="1" name=""/>
+        <p:cNvGrpSpPr/>
+        <p:nvPr/>
+      </p:nvGrpSpPr>
+      <p:grpSpPr>
+        <a:xfrm>
+          <a:off x="0" y="0"/>
+          <a:ext cx="0" cy="0"/>
+          <a:chOff x="0" y="0"/>
+          <a:chExt cx="0" cy="0"/>
+        </a:xfrm>
+      </p:grpSpPr>
+      <p:sp>
+        <p:nvSpPr>
+          <p:cNvPr id="2" name="Заголовок 1">
+            <a:extLst>
+              <a:ext uri="{FF2B5EF4-FFF2-40B4-BE49-F238E27FC236}">
+                <a16:creationId xmlns:a16="http://schemas.microsoft.com/office/drawing/2014/main" id="{07D25D7A-969A-4341-B403-9D454615F387}"/>
+              </a:ext>
+            </a:extLst>
+          </p:cNvPr>
+          <p:cNvSpPr>
+            <a:spLocks noGrp="1"/>
+          </p:cNvSpPr>
+          <p:nvPr>
+            <p:ph type="title"/>
+          </p:nvPr>
+        </p:nvSpPr>
+        <p:spPr>
+          <a:xfrm>
+            <a:off x="805809" y="302527"/>
+            <a:ext cx="10580380" cy="644251"/>
+          </a:xfrm>
+        </p:spPr>
+        <p:txBody>
+          <a:bodyPr/>
+          <a:lstStyle/>
+          <a:p>
+            <a:pPr algn="ctr"/>
+            <a:r>
+              <a:rPr lang="ru-RU" dirty="0">
+                <a:latin typeface="Calibri" panose="020F0502020204030204" pitchFamily="34" charset="0"/>
+                <a:cs typeface="Calibri" panose="020F0502020204030204" pitchFamily="34" charset="0"/>
+              </a:rPr>
+              <a:t>Оценка благополучия</a:t>
+            </a:r>
+          </a:p>
+        </p:txBody>
+      </p:sp>
+      <p:pic>
+        <p:nvPicPr>
+          <p:cNvPr id="1026" name="Picture 2">
+            <a:extLst>
+              <a:ext uri="{FF2B5EF4-FFF2-40B4-BE49-F238E27FC236}">
+                <a16:creationId xmlns:a16="http://schemas.microsoft.com/office/drawing/2014/main" id="{97F11522-582B-43D8-B543-9C3C6B403974}"/>
+              </a:ext>
+            </a:extLst>
+          </p:cNvPr>
+          <p:cNvPicPr>
+            <a:picLocks noChangeAspect="1" noChangeArrowheads="1"/>
+          </p:cNvPicPr>
+          <p:nvPr/>
+        </p:nvPicPr>
+        <p:blipFill>
+          <a:blip r:embed="rId2">
+            <a:extLst>
+              <a:ext uri="{28A0092B-C50C-407E-A947-70E740481C1C}">
+                <a14:useLocalDpi xmlns:a14="http://schemas.microsoft.com/office/drawing/2010/main" val="0"/>
+              </a:ext>
+            </a:extLst>
+          </a:blip>
+          <a:srcRect/>
+          <a:stretch>
+            <a:fillRect/>
+          </a:stretch>
+        </p:blipFill>
+        <p:spPr bwMode="auto">
+          <a:xfrm>
+            <a:off x="3354240" y="946778"/>
+            <a:ext cx="5483519" cy="5483519"/>
+          </a:xfrm>
+          <a:prstGeom prst="rect">
+            <a:avLst/>
+          </a:prstGeom>
+          <a:noFill/>
+          <a:extLst>
+            <a:ext uri="{909E8E84-426E-40DD-AFC4-6F175D3DCCD1}">
+              <a14:hiddenFill xmlns:a14="http://schemas.microsoft.com/office/drawing/2010/main">
+                <a:solidFill>
+                  <a:srgbClr val="FFFFFF"/>
+                </a:solidFill>
+              </a14:hiddenFill>
+            </a:ext>
+          </a:extLst>
+        </p:spPr>
+      </p:pic>
+      <p:sp>
+        <p:nvSpPr>
+          <p:cNvPr id="6" name="Номер слайда 5">
+            <a:extLst>
+              <a:ext uri="{FF2B5EF4-FFF2-40B4-BE49-F238E27FC236}">
+                <a16:creationId xmlns:a16="http://schemas.microsoft.com/office/drawing/2014/main" id="{D63C5440-D86F-40A3-A365-AD4A94046DDD}"/>
+              </a:ext>
+            </a:extLst>
+          </p:cNvPr>
+          <p:cNvSpPr>
+            <a:spLocks noGrp="1"/>
+          </p:cNvSpPr>
+          <p:nvPr>
+            <p:ph type="sldNum" sz="quarter" idx="12"/>
+          </p:nvPr>
+        </p:nvSpPr>
+        <p:spPr/>
+        <p:txBody>
+          <a:bodyPr/>
+          <a:lstStyle/>
+          <a:p>
+            <a:fld id="{F846435F-278B-4F8D-8B6E-49BFC1C98D0D}" type="slidenum">
+              <a:rPr lang="ru-RU" smtClean="0"/>
+              <a:t>2</a:t>
+            </a:fld>
+            <a:endParaRPr lang="ru-RU"/>
+          </a:p>
+        </p:txBody>
+      </p:sp>
+    </p:spTree>
+    <p:extLst>
+      <p:ext uri="{BB962C8B-B14F-4D97-AF65-F5344CB8AC3E}">
+        <p14:creationId xmlns:p14="http://schemas.microsoft.com/office/powerpoint/2010/main" val="3216759468"/>
+      </p:ext>
+    </p:extLst>
+  </p:cSld>
+  <p:clrMapOvr>
+    <a:masterClrMapping/>
+  </p:clrMapOvr>
+</p:sld>
+</file>
+
 <file path=ppt/slides/slide3.xml><?xml version="1.0" encoding="utf-8"?>
 <p:sld xmlns:a="http://schemas.openxmlformats.org/drawingml/2006/main" xmlns:r="http://schemas.openxmlformats.org/officeDocument/2006/relationships" xmlns:p="http://schemas.openxmlformats.org/presentationml/2006/main">
   <p:cSld>
@@ -10463,33 +10188,8 @@
                 <a:latin typeface="Calibri" panose="020F0502020204030204" pitchFamily="34" charset="0"/>
                 <a:cs typeface="Calibri" panose="020F0502020204030204" pitchFamily="34" charset="0"/>
               </a:rPr>
-              <a:t>Проведение тестирований в АО </a:t>
-            </a:r>
-            <a:r>
-              <a:rPr lang="en-US" sz="4000" dirty="0">
-                <a:latin typeface="Calibri" panose="020F0502020204030204" pitchFamily="34" charset="0"/>
-                <a:cs typeface="Calibri" panose="020F0502020204030204" pitchFamily="34" charset="0"/>
-              </a:rPr>
-              <a:t>“</a:t>
-            </a:r>
-            <a:r>
-              <a:rPr lang="ru-RU" sz="4000" dirty="0">
-                <a:latin typeface="Calibri" panose="020F0502020204030204" pitchFamily="34" charset="0"/>
-                <a:cs typeface="Calibri" panose="020F0502020204030204" pitchFamily="34" charset="0"/>
-              </a:rPr>
-              <a:t>АНХК</a:t>
-            </a:r>
-            <a:r>
-              <a:rPr lang="en-US" sz="4000" dirty="0">
-                <a:latin typeface="Calibri" panose="020F0502020204030204" pitchFamily="34" charset="0"/>
-                <a:cs typeface="Calibri" panose="020F0502020204030204" pitchFamily="34" charset="0"/>
-              </a:rPr>
-              <a:t>”</a:t>
-            </a:r>
-            <a:endParaRPr lang="ru-RU" sz="4000" dirty="0">
-              <a:latin typeface="Calibri" panose="020F0502020204030204" pitchFamily="34" charset="0"/>
-              <a:cs typeface="Calibri" panose="020F0502020204030204" pitchFamily="34" charset="0"/>
-            </a:endParaRPr>
+              <a:t>Проведение многофакторных тестирований</a:t>
+            </a:r>
           </a:p>
         </p:txBody>
       </p:sp>
@@ -10527,7 +10227,7 @@
                 <a:latin typeface="Calibri" panose="020F0502020204030204" pitchFamily="34" charset="0"/>
                 <a:cs typeface="Calibri" panose="020F0502020204030204" pitchFamily="34" charset="0"/>
               </a:rPr>
-              <a:t>В компании проводятся тестирования, направленные на оценку благополучия сотрудников. Для этого в тестах используются многофакторные вопросы, позволяющие оценить различные стороны удовлетворенности сотрудников.</a:t>
+              <a:t>Многофакторные тестирования позволяют охватить обширный спектр потребностей тестируемых, а также оценить уровень их благополучия. Для этого в тестах используются многофакторные вопросы.</a:t>
             </a:r>
           </a:p>
         </p:txBody>
